--- a/Batch-07/Proff Lecture Material/3. VIRTUALIZATION.pptx
+++ b/Batch-07/Proff Lecture Material/3. VIRTUALIZATION.pptx
@@ -6,11 +6,11 @@
   </p:sldMasterIdLst>
   <p:sldIdLst>
     <p:sldId id="256" r:id="rId2"/>
-    <p:sldId id="258" r:id="rId3"/>
-    <p:sldId id="259" r:id="rId4"/>
-    <p:sldId id="260" r:id="rId5"/>
-    <p:sldId id="261" r:id="rId6"/>
-    <p:sldId id="262" r:id="rId7"/>
+    <p:sldId id="262" r:id="rId3"/>
+    <p:sldId id="258" r:id="rId4"/>
+    <p:sldId id="259" r:id="rId5"/>
+    <p:sldId id="260" r:id="rId6"/>
+    <p:sldId id="261" r:id="rId7"/>
     <p:sldId id="263" r:id="rId8"/>
     <p:sldId id="264" r:id="rId9"/>
     <p:sldId id="265" r:id="rId10"/>
@@ -307,7 +307,7 @@
             <a:fld id="{AAA274FE-DCD2-4968-AFE0-C8FFE5A629E6}" type="datetimeFigureOut">
               <a:rPr lang="en-US" smtClean="0"/>
               <a:pPr/>
-              <a:t>7/6/2020</a:t>
+              <a:t>12/5/2021</a:t>
             </a:fld>
             <a:endParaRPr lang="en-US"/>
           </a:p>
@@ -473,7 +473,7 @@
             <a:fld id="{AAA274FE-DCD2-4968-AFE0-C8FFE5A629E6}" type="datetimeFigureOut">
               <a:rPr lang="en-US" smtClean="0"/>
               <a:pPr/>
-              <a:t>7/6/2020</a:t>
+              <a:t>12/5/2021</a:t>
             </a:fld>
             <a:endParaRPr lang="en-US"/>
           </a:p>
@@ -649,7 +649,7 @@
             <a:fld id="{AAA274FE-DCD2-4968-AFE0-C8FFE5A629E6}" type="datetimeFigureOut">
               <a:rPr lang="en-US" smtClean="0"/>
               <a:pPr/>
-              <a:t>7/6/2020</a:t>
+              <a:t>12/5/2021</a:t>
             </a:fld>
             <a:endParaRPr lang="en-US"/>
           </a:p>
@@ -815,7 +815,7 @@
             <a:fld id="{AAA274FE-DCD2-4968-AFE0-C8FFE5A629E6}" type="datetimeFigureOut">
               <a:rPr lang="en-US" smtClean="0"/>
               <a:pPr/>
-              <a:t>7/6/2020</a:t>
+              <a:t>12/5/2021</a:t>
             </a:fld>
             <a:endParaRPr lang="en-US"/>
           </a:p>
@@ -1058,7 +1058,7 @@
             <a:fld id="{AAA274FE-DCD2-4968-AFE0-C8FFE5A629E6}" type="datetimeFigureOut">
               <a:rPr lang="en-US" smtClean="0"/>
               <a:pPr/>
-              <a:t>7/6/2020</a:t>
+              <a:t>12/5/2021</a:t>
             </a:fld>
             <a:endParaRPr lang="en-US"/>
           </a:p>
@@ -1323,7 +1323,7 @@
             <a:fld id="{AAA274FE-DCD2-4968-AFE0-C8FFE5A629E6}" type="datetimeFigureOut">
               <a:rPr lang="en-US" smtClean="0"/>
               <a:pPr/>
-              <a:t>7/6/2020</a:t>
+              <a:t>12/5/2021</a:t>
             </a:fld>
             <a:endParaRPr lang="en-US"/>
           </a:p>
@@ -1702,7 +1702,7 @@
             <a:fld id="{AAA274FE-DCD2-4968-AFE0-C8FFE5A629E6}" type="datetimeFigureOut">
               <a:rPr lang="en-US" smtClean="0"/>
               <a:pPr/>
-              <a:t>7/6/2020</a:t>
+              <a:t>12/5/2021</a:t>
             </a:fld>
             <a:endParaRPr lang="en-US"/>
           </a:p>
@@ -1853,7 +1853,7 @@
             <a:fld id="{AAA274FE-DCD2-4968-AFE0-C8FFE5A629E6}" type="datetimeFigureOut">
               <a:rPr lang="en-US" smtClean="0"/>
               <a:pPr/>
-              <a:t>7/6/2020</a:t>
+              <a:t>12/5/2021</a:t>
             </a:fld>
             <a:endParaRPr lang="en-US"/>
           </a:p>
@@ -1945,7 +1945,7 @@
             <a:fld id="{AAA274FE-DCD2-4968-AFE0-C8FFE5A629E6}" type="datetimeFigureOut">
               <a:rPr lang="en-US" smtClean="0"/>
               <a:pPr/>
-              <a:t>7/6/2020</a:t>
+              <a:t>12/5/2021</a:t>
             </a:fld>
             <a:endParaRPr lang="en-US"/>
           </a:p>
@@ -2207,7 +2207,7 @@
             <a:fld id="{AAA274FE-DCD2-4968-AFE0-C8FFE5A629E6}" type="datetimeFigureOut">
               <a:rPr lang="en-US" smtClean="0"/>
               <a:pPr/>
-              <a:t>7/6/2020</a:t>
+              <a:t>12/5/2021</a:t>
             </a:fld>
             <a:endParaRPr lang="en-US"/>
           </a:p>
@@ -2496,7 +2496,7 @@
             <a:fld id="{AAA274FE-DCD2-4968-AFE0-C8FFE5A629E6}" type="datetimeFigureOut">
               <a:rPr lang="en-US" smtClean="0"/>
               <a:pPr/>
-              <a:t>7/6/2020</a:t>
+              <a:t>12/5/2021</a:t>
             </a:fld>
             <a:endParaRPr lang="en-US"/>
           </a:p>
@@ -3267,7 +3267,7 @@
             <a:fld id="{AAA274FE-DCD2-4968-AFE0-C8FFE5A629E6}" type="datetimeFigureOut">
               <a:rPr lang="en-US" smtClean="0"/>
               <a:pPr/>
-              <a:t>7/6/2020</a:t>
+              <a:t>12/5/2021</a:t>
             </a:fld>
             <a:endParaRPr lang="en-US"/>
           </a:p>
@@ -4313,15 +4313,100 @@
         </p:nvSpPr>
         <p:spPr/>
         <p:txBody>
+          <a:bodyPr>
+            <a:normAutofit fontScale="90000"/>
+          </a:bodyPr>
+          <a:lstStyle/>
+          <a:p>
+            <a:br>
+              <a:rPr lang="en-US" dirty="0"/>
+            </a:br>
+            <a:r>
+              <a:rPr lang="en-US" b="1" dirty="0"/>
+              <a:t>What is Virtualization?</a:t>
+            </a:r>
+            <a:endParaRPr lang="en-US" dirty="0"/>
+          </a:p>
+        </p:txBody>
+      </p:sp>
+      <p:sp>
+        <p:nvSpPr>
+          <p:cNvPr id="3" name="Content Placeholder 2"/>
+          <p:cNvSpPr>
+            <a:spLocks noGrp="1"/>
+          </p:cNvSpPr>
+          <p:nvPr>
+            <p:ph idx="1"/>
+          </p:nvPr>
+        </p:nvSpPr>
+        <p:spPr/>
+        <p:txBody>
           <a:bodyPr/>
           <a:lstStyle/>
           <a:p>
-            <a:pPr algn="ctr"/>
-            <a:r>
-              <a:rPr lang="en-US" sz="5400" b="1" dirty="0"/>
-              <a:t>VIRTUALIZATION</a:t>
-            </a:r>
-            <a:endParaRPr lang="en-US" b="1" dirty="0"/>
+            <a:r>
+              <a:rPr lang="en-US" dirty="0"/>
+              <a:t>Virtualization is a technology to run multiple same or different operating systems which are completely isolated from each  other on the same machine. </a:t>
+            </a:r>
+          </a:p>
+          <a:p>
+            <a:pPr lvl="1"/>
+            <a:r>
+              <a:rPr lang="en-US" dirty="0"/>
+              <a:t>Example: Run both Windows and Linux on the same machine</a:t>
+            </a:r>
+          </a:p>
+        </p:txBody>
+      </p:sp>
+    </p:spTree>
+  </p:cSld>
+  <p:clrMapOvr>
+    <a:masterClrMapping/>
+  </p:clrMapOvr>
+</p:sld>
+</file>
+
+<file path=ppt/slides/slide3.xml><?xml version="1.0" encoding="utf-8"?>
+<p:sld xmlns:a="http://schemas.openxmlformats.org/drawingml/2006/main" xmlns:r="http://schemas.openxmlformats.org/officeDocument/2006/relationships" xmlns:p="http://schemas.openxmlformats.org/presentationml/2006/main">
+  <p:cSld>
+    <p:spTree>
+      <p:nvGrpSpPr>
+        <p:cNvPr id="1" name=""/>
+        <p:cNvGrpSpPr/>
+        <p:nvPr/>
+      </p:nvGrpSpPr>
+      <p:grpSpPr>
+        <a:xfrm>
+          <a:off x="0" y="0"/>
+          <a:ext cx="0" cy="0"/>
+          <a:chOff x="0" y="0"/>
+          <a:chExt cx="0" cy="0"/>
+        </a:xfrm>
+      </p:grpSpPr>
+      <p:sp>
+        <p:nvSpPr>
+          <p:cNvPr id="2" name="Title 1"/>
+          <p:cNvSpPr>
+            <a:spLocks noGrp="1"/>
+          </p:cNvSpPr>
+          <p:nvPr>
+            <p:ph type="title"/>
+          </p:nvPr>
+        </p:nvSpPr>
+        <p:spPr>
+          <a:xfrm>
+            <a:off x="304800" y="1694603"/>
+            <a:ext cx="8229600" cy="1143000"/>
+          </a:xfrm>
+        </p:spPr>
+        <p:txBody>
+          <a:bodyPr/>
+          <a:lstStyle/>
+          <a:p>
+            <a:r>
+              <a:rPr lang="en-US" dirty="0"/>
+              <a:t>Problem</a:t>
+            </a:r>
           </a:p>
         </p:txBody>
       </p:sp>
@@ -4359,6 +4444,63 @@
           </a:ln>
         </p:spPr>
       </p:pic>
+      <p:sp>
+        <p:nvSpPr>
+          <p:cNvPr id="4" name="Title 1">
+            <a:extLst>
+              <a:ext uri="{FF2B5EF4-FFF2-40B4-BE49-F238E27FC236}">
+                <a16:creationId xmlns:a16="http://schemas.microsoft.com/office/drawing/2014/main" id="{134B4CE1-EC7E-4AB2-A07B-FEFAB0222C1E}"/>
+              </a:ext>
+            </a:extLst>
+          </p:cNvPr>
+          <p:cNvSpPr txBox="1">
+            <a:spLocks/>
+          </p:cNvSpPr>
+          <p:nvPr/>
+        </p:nvSpPr>
+        <p:spPr>
+          <a:xfrm>
+            <a:off x="609600" y="856488"/>
+            <a:ext cx="8229600" cy="1143000"/>
+          </a:xfrm>
+          <a:prstGeom prst="rect">
+            <a:avLst/>
+          </a:prstGeom>
+        </p:spPr>
+        <p:txBody>
+          <a:bodyPr vert="horz" lIns="0" rIns="0" bIns="0" anchor="b">
+            <a:normAutofit/>
+          </a:bodyPr>
+          <a:lstStyle>
+            <a:lvl1pPr algn="l" rtl="0" eaLnBrk="1" latinLnBrk="0" hangingPunct="1">
+              <a:spcBef>
+                <a:spcPct val="0"/>
+              </a:spcBef>
+              <a:buNone/>
+              <a:defRPr kumimoji="0" sz="5000" b="0" kern="1200">
+                <a:ln>
+                  <a:noFill/>
+                </a:ln>
+                <a:solidFill>
+                  <a:schemeClr val="tx2"/>
+                </a:solidFill>
+                <a:effectLst/>
+                <a:latin typeface="+mj-lt"/>
+                <a:ea typeface="+mj-ea"/>
+                <a:cs typeface="+mj-cs"/>
+              </a:defRPr>
+            </a:lvl1pPr>
+          </a:lstStyle>
+          <a:p>
+            <a:pPr algn="ctr"/>
+            <a:r>
+              <a:rPr lang="en-US" sz="5400" b="1"/>
+              <a:t>VIRTUALIZATION</a:t>
+            </a:r>
+            <a:endParaRPr lang="en-US" b="1" dirty="0"/>
+          </a:p>
+        </p:txBody>
+      </p:sp>
     </p:spTree>
   </p:cSld>
   <p:clrMapOvr>
@@ -4367,7 +4509,7 @@
 </p:sld>
 </file>
 
-<file path=ppt/slides/slide3.xml><?xml version="1.0" encoding="utf-8"?>
+<file path=ppt/slides/slide4.xml><?xml version="1.0" encoding="utf-8"?>
 <p:sld xmlns:a="http://schemas.openxmlformats.org/drawingml/2006/main" xmlns:r="http://schemas.openxmlformats.org/officeDocument/2006/relationships" xmlns:p="http://schemas.openxmlformats.org/presentationml/2006/main">
   <p:cSld>
     <p:spTree>
@@ -4522,7 +4664,7 @@
 </p:sld>
 </file>
 
-<file path=ppt/slides/slide4.xml><?xml version="1.0" encoding="utf-8"?>
+<file path=ppt/slides/slide5.xml><?xml version="1.0" encoding="utf-8"?>
 <p:sld xmlns:a="http://schemas.openxmlformats.org/drawingml/2006/main" xmlns:r="http://schemas.openxmlformats.org/officeDocument/2006/relationships" xmlns:p="http://schemas.openxmlformats.org/presentationml/2006/main">
   <p:cSld>
     <p:spTree>
@@ -4613,7 +4755,7 @@
 </p:sld>
 </file>
 
-<file path=ppt/slides/slide5.xml><?xml version="1.0" encoding="utf-8"?>
+<file path=ppt/slides/slide6.xml><?xml version="1.0" encoding="utf-8"?>
 <p:sld xmlns:a="http://schemas.openxmlformats.org/drawingml/2006/main" xmlns:r="http://schemas.openxmlformats.org/officeDocument/2006/relationships" xmlns:p="http://schemas.openxmlformats.org/presentationml/2006/main">
   <p:cSld>
     <p:spTree>
@@ -4649,8 +4791,8 @@
         </p:blipFill>
         <p:spPr bwMode="auto">
           <a:xfrm>
-            <a:off x="609600" y="838200"/>
-            <a:ext cx="7769225" cy="5320506"/>
+            <a:off x="381000" y="1066800"/>
+            <a:ext cx="8345282" cy="5715000"/>
           </a:xfrm>
           <a:prstGeom prst="rect">
             <a:avLst/>
@@ -4664,85 +4806,95 @@
           </a:ln>
         </p:spPr>
       </p:pic>
-    </p:spTree>
-  </p:cSld>
-  <p:clrMapOvr>
-    <a:masterClrMapping/>
-  </p:clrMapOvr>
-</p:sld>
-</file>
-
-<file path=ppt/slides/slide6.xml><?xml version="1.0" encoding="utf-8"?>
-<p:sld xmlns:a="http://schemas.openxmlformats.org/drawingml/2006/main" xmlns:r="http://schemas.openxmlformats.org/officeDocument/2006/relationships" xmlns:p="http://schemas.openxmlformats.org/presentationml/2006/main">
-  <p:cSld>
-    <p:spTree>
-      <p:nvGrpSpPr>
-        <p:cNvPr id="1" name=""/>
-        <p:cNvGrpSpPr/>
-        <p:nvPr/>
-      </p:nvGrpSpPr>
-      <p:grpSpPr>
-        <a:xfrm>
-          <a:off x="0" y="0"/>
-          <a:ext cx="0" cy="0"/>
-          <a:chOff x="0" y="0"/>
-          <a:chExt cx="0" cy="0"/>
-        </a:xfrm>
-      </p:grpSpPr>
-      <p:sp>
-        <p:nvSpPr>
-          <p:cNvPr id="2" name="Title 1"/>
-          <p:cNvSpPr>
-            <a:spLocks noGrp="1"/>
-          </p:cNvSpPr>
-          <p:nvPr>
-            <p:ph type="title"/>
-          </p:nvPr>
-        </p:nvSpPr>
-        <p:spPr/>
-        <p:txBody>
-          <a:bodyPr>
-            <a:normAutofit fontScale="90000"/>
-          </a:bodyPr>
-          <a:lstStyle/>
-          <a:p>
-            <a:br>
-              <a:rPr lang="en-US" dirty="0"/>
-            </a:br>
-            <a:r>
-              <a:rPr lang="en-US" b="1" dirty="0"/>
-              <a:t>What is Virtualization?</a:t>
-            </a:r>
-            <a:endParaRPr lang="en-US" dirty="0"/>
-          </a:p>
-        </p:txBody>
-      </p:sp>
-      <p:sp>
-        <p:nvSpPr>
-          <p:cNvPr id="3" name="Content Placeholder 2"/>
-          <p:cNvSpPr>
-            <a:spLocks noGrp="1"/>
-          </p:cNvSpPr>
-          <p:nvPr>
-            <p:ph idx="1"/>
-          </p:nvPr>
-        </p:nvSpPr>
-        <p:spPr/>
-        <p:txBody>
-          <a:bodyPr/>
-          <a:lstStyle/>
-          <a:p>
-            <a:r>
-              <a:rPr lang="en-US" dirty="0"/>
-              <a:t>Virtualization is a technology to run multiple same or different operating systems which are completely isolated from each  other on the same machine. </a:t>
-            </a:r>
-          </a:p>
-          <a:p>
-            <a:pPr lvl="1"/>
-            <a:r>
-              <a:rPr lang="en-US" dirty="0"/>
-              <a:t>Ex: Run both Windows and Linux on the same machine</a:t>
-            </a:r>
+      <p:sp>
+        <p:nvSpPr>
+          <p:cNvPr id="2" name="Arrow: Striped Right 1">
+            <a:extLst>
+              <a:ext uri="{FF2B5EF4-FFF2-40B4-BE49-F238E27FC236}">
+                <a16:creationId xmlns:a16="http://schemas.microsoft.com/office/drawing/2014/main" id="{DFD9F956-A59E-46A3-A4E7-6D04A2077929}"/>
+              </a:ext>
+            </a:extLst>
+          </p:cNvPr>
+          <p:cNvSpPr/>
+          <p:nvPr/>
+        </p:nvSpPr>
+        <p:spPr>
+          <a:xfrm>
+            <a:off x="381000" y="4191000"/>
+            <a:ext cx="685800" cy="533400"/>
+          </a:xfrm>
+          <a:prstGeom prst="stripedRightArrow">
+            <a:avLst/>
+          </a:prstGeom>
+        </p:spPr>
+        <p:style>
+          <a:lnRef idx="2">
+            <a:schemeClr val="accent1">
+              <a:shade val="50000"/>
+            </a:schemeClr>
+          </a:lnRef>
+          <a:fillRef idx="1">
+            <a:schemeClr val="accent1"/>
+          </a:fillRef>
+          <a:effectRef idx="0">
+            <a:schemeClr val="accent1"/>
+          </a:effectRef>
+          <a:fontRef idx="minor">
+            <a:schemeClr val="lt1"/>
+          </a:fontRef>
+        </p:style>
+        <p:txBody>
+          <a:bodyPr rtlCol="0" anchor="ctr"/>
+          <a:lstStyle/>
+          <a:p>
+            <a:pPr algn="ctr"/>
+            <a:endParaRPr lang="en-US"/>
+          </a:p>
+        </p:txBody>
+      </p:sp>
+      <p:sp>
+        <p:nvSpPr>
+          <p:cNvPr id="3" name="Arrow: Down 2">
+            <a:extLst>
+              <a:ext uri="{FF2B5EF4-FFF2-40B4-BE49-F238E27FC236}">
+                <a16:creationId xmlns:a16="http://schemas.microsoft.com/office/drawing/2014/main" id="{0C6936B8-925A-493E-AE48-876899EF26A4}"/>
+              </a:ext>
+            </a:extLst>
+          </p:cNvPr>
+          <p:cNvSpPr/>
+          <p:nvPr/>
+        </p:nvSpPr>
+        <p:spPr>
+          <a:xfrm>
+            <a:off x="609600" y="3200400"/>
+            <a:ext cx="457200" cy="609600"/>
+          </a:xfrm>
+          <a:prstGeom prst="downArrow">
+            <a:avLst/>
+          </a:prstGeom>
+        </p:spPr>
+        <p:style>
+          <a:lnRef idx="2">
+            <a:schemeClr val="accent1">
+              <a:shade val="50000"/>
+            </a:schemeClr>
+          </a:lnRef>
+          <a:fillRef idx="1">
+            <a:schemeClr val="accent1"/>
+          </a:fillRef>
+          <a:effectRef idx="0">
+            <a:schemeClr val="accent1"/>
+          </a:effectRef>
+          <a:fontRef idx="minor">
+            <a:schemeClr val="lt1"/>
+          </a:fontRef>
+        </p:style>
+        <p:txBody>
+          <a:bodyPr rtlCol="0" anchor="ctr"/>
+          <a:lstStyle/>
+          <a:p>
+            <a:pPr algn="ctr"/>
+            <a:endParaRPr lang="en-US"/>
           </a:p>
         </p:txBody>
       </p:sp>
@@ -4818,16 +4970,18 @@
           </a:p>
           <a:p>
             <a:r>
+              <a:rPr lang="en-US" sz="3600" b="1" dirty="0"/>
+              <a:t>Dual boot </a:t>
+            </a:r>
+            <a:r>
               <a:rPr lang="en-US" sz="3600" dirty="0"/>
-              <a:t>Both </a:t>
-            </a:r>
-            <a:r>
-              <a:rPr lang="en-US" sz="3600" dirty="0" err="1"/>
-              <a:t>OSes</a:t>
-            </a:r>
+              <a:t>is having 2 OS installed on same computing and choosing which to turn on at boot time</a:t>
+            </a:r>
+          </a:p>
+          <a:p>
             <a:r>
               <a:rPr lang="en-US" sz="3600" dirty="0"/>
-              <a:t> run simultaneously</a:t>
+              <a:t>With Virtualization, both OSes run simultaneously</a:t>
             </a:r>
           </a:p>
         </p:txBody>
